--- a/FII.Practic.Tech.Levi9.March.2016.pptx
+++ b/FII.Practic.Tech.Levi9.March.2016.pptx
@@ -239,7 +239,7 @@
           <a:p>
             <a:fld id="{4BEF8651-3ED7-4908-89A0-BE7A233C7155}" type="datetimeFigureOut">
               <a:rPr lang="en-US" smtClean="0"/>
-              <a:t>3/8/2016</a:t>
+              <a:t>3/9/2016</a:t>
             </a:fld>
             <a:endParaRPr lang="en-US"/>
           </a:p>
@@ -7949,43 +7949,6 @@
       </p:grpSpPr>
       <p:sp>
         <p:nvSpPr>
-          <p:cNvPr id="9" name="Subtitle"/>
-          <p:cNvSpPr>
-            <a:spLocks noGrp="1"/>
-          </p:cNvSpPr>
-          <p:nvPr>
-            <p:ph type="subTitle" idx="1"/>
-          </p:nvPr>
-        </p:nvSpPr>
-        <p:spPr/>
-        <p:txBody>
-          <a:bodyPr>
-            <a:normAutofit/>
-          </a:bodyPr>
-          <a:lstStyle/>
-          <a:p>
-            <a:r>
-              <a:rPr lang="en-US" dirty="0" smtClean="0"/>
-              <a:t>FII </a:t>
-            </a:r>
-            <a:r>
-              <a:rPr lang="en-US" dirty="0" err="1" smtClean="0"/>
-              <a:t>Practic</a:t>
-            </a:r>
-            <a:r>
-              <a:rPr lang="en-US" dirty="0" smtClean="0"/>
-              <a:t> </a:t>
-            </a:r>
-            <a:r>
-              <a:rPr lang="en-US" dirty="0" smtClean="0"/>
-              <a:t>- 2016</a:t>
-            </a:r>
-            <a:endParaRPr lang="en-US" dirty="0"/>
-          </a:p>
-        </p:txBody>
-      </p:sp>
-      <p:sp>
-        <p:nvSpPr>
           <p:cNvPr id="8" name="Title"/>
           <p:cNvSpPr>
             <a:spLocks noGrp="1"/>
@@ -8030,6 +7993,36 @@
           </a:p>
         </p:txBody>
       </p:sp>
+      <p:pic>
+        <p:nvPicPr>
+          <p:cNvPr id="6" name="Picture 5"/>
+          <p:cNvPicPr>
+            <a:picLocks noChangeAspect="1"/>
+          </p:cNvPicPr>
+          <p:nvPr/>
+        </p:nvPicPr>
+        <p:blipFill>
+          <a:blip r:embed="rId3">
+            <a:extLst>
+              <a:ext uri="{28A0092B-C50C-407E-A947-70E740481C1C}">
+                <a14:useLocalDpi xmlns:a14="http://schemas.microsoft.com/office/drawing/2010/main" val="0"/>
+              </a:ext>
+            </a:extLst>
+          </a:blip>
+          <a:stretch>
+            <a:fillRect/>
+          </a:stretch>
+        </p:blipFill>
+        <p:spPr>
+          <a:xfrm>
+            <a:off x="3089353" y="5267740"/>
+            <a:ext cx="2945416" cy="1342935"/>
+          </a:xfrm>
+          <a:prstGeom prst="rect">
+            <a:avLst/>
+          </a:prstGeom>
+        </p:spPr>
+      </p:pic>
     </p:spTree>
     <p:extLst>
       <p:ext uri="{BB962C8B-B14F-4D97-AF65-F5344CB8AC3E}">
@@ -14953,34 +14946,6 @@
 </file>
 
 <file path=customXml/item1.xml><?xml version="1.0" encoding="utf-8"?>
-<p:properties xmlns:p="http://schemas.microsoft.com/office/2006/metadata/properties" xmlns:xsi="http://www.w3.org/2001/XMLSchema-instance" xmlns:pc="http://schemas.microsoft.com/office/infopath/2007/PartnerControls">
-  <documentManagement>
-    <TemplateUrl xmlns="http://schemas.microsoft.com/sharepoint/v3" xsi:nil="true"/>
-    <_SourceUrl xmlns="http://schemas.microsoft.com/sharepoint/v3" xsi:nil="true"/>
-    <xd_ProgID xmlns="http://schemas.microsoft.com/sharepoint/v3" xsi:nil="true"/>
-    <Order xmlns="http://schemas.microsoft.com/sharepoint/v3" xsi:nil="true"/>
-    <_SharedFileIndex xmlns="http://schemas.microsoft.com/sharepoint/v3" xsi:nil="true"/>
-    <MetaInfo xmlns="http://schemas.microsoft.com/sharepoint/v3" xsi:nil="true"/>
-    <ContentTypeId xmlns="http://schemas.microsoft.com/sharepoint/v3">0x010100E25DA1609B7607469C1AC9B6F8A6FE9D</ContentTypeId>
-    <_dlc_DocId xmlns="696890a7-2738-473a-8580-15948eca3069">Y5ANCCKZ2MDQ-10-1542</_dlc_DocId>
-    <_dlc_DocIdUrl xmlns="696890a7-2738-473a-8580-15948eca3069">
-      <Url>https://internal.levi9.com/_layouts/15/DocIdRedir.aspx?ID=Y5ANCCKZ2MDQ-10-1542</Url>
-      <Description>Y5ANCCKZ2MDQ-10-1542</Description>
-    </_dlc_DocIdUrl>
-  </documentManagement>
-</p:properties>
-</file>
-
-<file path=customXml/item2.xml><?xml version="1.0" encoding="utf-8"?>
-<?mso-contentType ?>
-<FormTemplates xmlns="http://schemas.microsoft.com/sharepoint/v3/contenttype/forms">
-  <Display>DocumentLibraryForm</Display>
-  <Edit>DocumentLibraryForm</Edit>
-  <New>DocumentLibraryForm</New>
-</FormTemplates>
-</file>
-
-<file path=customXml/item3.xml><?xml version="1.0" encoding="utf-8"?>
 <?mso-contentType ?>
 <spe:Receivers xmlns:spe="http://schemas.microsoft.com/sharepoint/events">
   <Receiver>
@@ -15028,6 +14993,34 @@
     <Filter/>
   </Receiver>
 </spe:Receivers>
+</file>
+
+<file path=customXml/item2.xml><?xml version="1.0" encoding="utf-8"?>
+<?mso-contentType ?>
+<FormTemplates xmlns="http://schemas.microsoft.com/sharepoint/v3/contenttype/forms">
+  <Display>DocumentLibraryForm</Display>
+  <Edit>DocumentLibraryForm</Edit>
+  <New>DocumentLibraryForm</New>
+</FormTemplates>
+</file>
+
+<file path=customXml/item3.xml><?xml version="1.0" encoding="utf-8"?>
+<p:properties xmlns:p="http://schemas.microsoft.com/office/2006/metadata/properties" xmlns:xsi="http://www.w3.org/2001/XMLSchema-instance" xmlns:pc="http://schemas.microsoft.com/office/infopath/2007/PartnerControls">
+  <documentManagement>
+    <TemplateUrl xmlns="http://schemas.microsoft.com/sharepoint/v3" xsi:nil="true"/>
+    <_SourceUrl xmlns="http://schemas.microsoft.com/sharepoint/v3" xsi:nil="true"/>
+    <xd_ProgID xmlns="http://schemas.microsoft.com/sharepoint/v3" xsi:nil="true"/>
+    <Order xmlns="http://schemas.microsoft.com/sharepoint/v3" xsi:nil="true"/>
+    <_SharedFileIndex xmlns="http://schemas.microsoft.com/sharepoint/v3" xsi:nil="true"/>
+    <MetaInfo xmlns="http://schemas.microsoft.com/sharepoint/v3" xsi:nil="true"/>
+    <ContentTypeId xmlns="http://schemas.microsoft.com/sharepoint/v3">0x010100E25DA1609B7607469C1AC9B6F8A6FE9D</ContentTypeId>
+    <_dlc_DocId xmlns="696890a7-2738-473a-8580-15948eca3069">Y5ANCCKZ2MDQ-10-1542</_dlc_DocId>
+    <_dlc_DocIdUrl xmlns="696890a7-2738-473a-8580-15948eca3069">
+      <Url>https://internal.levi9.com/_layouts/15/DocIdRedir.aspx?ID=Y5ANCCKZ2MDQ-10-1542</Url>
+      <Description>Y5ANCCKZ2MDQ-10-1542</Description>
+    </_dlc_DocIdUrl>
+  </documentManagement>
+</p:properties>
 </file>
 
 <file path=customXml/item4.xml><?xml version="1.0" encoding="utf-8"?>
@@ -15523,18 +15516,9 @@
 </file>
 
 <file path=customXml/itemProps1.xml><?xml version="1.0" encoding="utf-8"?>
-<ds:datastoreItem xmlns:ds="http://schemas.openxmlformats.org/officeDocument/2006/customXml" ds:itemID="{61631425-235C-4781-93DD-7928AF7173EF}">
+<ds:datastoreItem xmlns:ds="http://schemas.openxmlformats.org/officeDocument/2006/customXml" ds:itemID="{DFBE2CE3-A764-49E9-945D-1AE464F7016A}">
   <ds:schemaRefs>
-    <ds:schemaRef ds:uri="http://schemas.microsoft.com/office/2006/metadata/properties"/>
-    <ds:schemaRef ds:uri="http://schemas.microsoft.com/sharepoint/v3"/>
-    <ds:schemaRef ds:uri="http://www.w3.org/XML/1998/namespace"/>
-    <ds:schemaRef ds:uri="696890a7-2738-473a-8580-15948eca3069"/>
-    <ds:schemaRef ds:uri="http://schemas.microsoft.com/office/2006/documentManagement/types"/>
-    <ds:schemaRef ds:uri="http://purl.org/dc/dcmitype/"/>
-    <ds:schemaRef ds:uri="http://purl.org/dc/elements/1.1/"/>
-    <ds:schemaRef ds:uri="http://schemas.microsoft.com/office/infopath/2007/PartnerControls"/>
-    <ds:schemaRef ds:uri="http://schemas.openxmlformats.org/package/2006/metadata/core-properties"/>
-    <ds:schemaRef ds:uri="http://purl.org/dc/terms/"/>
+    <ds:schemaRef ds:uri="http://schemas.microsoft.com/sharepoint/events"/>
   </ds:schemaRefs>
 </ds:datastoreItem>
 </file>
@@ -15548,9 +15532,18 @@
 </file>
 
 <file path=customXml/itemProps3.xml><?xml version="1.0" encoding="utf-8"?>
-<ds:datastoreItem xmlns:ds="http://schemas.openxmlformats.org/officeDocument/2006/customXml" ds:itemID="{DFBE2CE3-A764-49E9-945D-1AE464F7016A}">
+<ds:datastoreItem xmlns:ds="http://schemas.openxmlformats.org/officeDocument/2006/customXml" ds:itemID="{61631425-235C-4781-93DD-7928AF7173EF}">
   <ds:schemaRefs>
-    <ds:schemaRef ds:uri="http://schemas.microsoft.com/sharepoint/events"/>
+    <ds:schemaRef ds:uri="http://schemas.microsoft.com/office/2006/metadata/properties"/>
+    <ds:schemaRef ds:uri="http://schemas.microsoft.com/sharepoint/v3"/>
+    <ds:schemaRef ds:uri="http://www.w3.org/XML/1998/namespace"/>
+    <ds:schemaRef ds:uri="696890a7-2738-473a-8580-15948eca3069"/>
+    <ds:schemaRef ds:uri="http://schemas.microsoft.com/office/2006/documentManagement/types"/>
+    <ds:schemaRef ds:uri="http://purl.org/dc/dcmitype/"/>
+    <ds:schemaRef ds:uri="http://purl.org/dc/elements/1.1/"/>
+    <ds:schemaRef ds:uri="http://schemas.microsoft.com/office/infopath/2007/PartnerControls"/>
+    <ds:schemaRef ds:uri="http://schemas.openxmlformats.org/package/2006/metadata/core-properties"/>
+    <ds:schemaRef ds:uri="http://purl.org/dc/terms/"/>
   </ds:schemaRefs>
 </ds:datastoreItem>
 </file>

--- a/FII.Practic.Tech.Levi9.March.2016.pptx
+++ b/FII.Practic.Tech.Levi9.March.2016.pptx
@@ -7,7 +7,7 @@
     <p:sldMasterId id="2147483660" r:id="rId7"/>
   </p:sldMasterIdLst>
   <p:notesMasterIdLst>
-    <p:notesMasterId r:id="rId26"/>
+    <p:notesMasterId r:id="rId27"/>
   </p:notesMasterIdLst>
   <p:sldIdLst>
     <p:sldId id="256" r:id="rId8"/>
@@ -28,6 +28,7 @@
     <p:sldId id="295" r:id="rId23"/>
     <p:sldId id="296" r:id="rId24"/>
     <p:sldId id="291" r:id="rId25"/>
+    <p:sldId id="298" r:id="rId26"/>
   </p:sldIdLst>
   <p:sldSz cx="9144000" cy="6858000" type="screen4x3"/>
   <p:notesSz cx="6858000" cy="9144000"/>
@@ -239,7 +240,7 @@
           <a:p>
             <a:fld id="{4BEF8651-3ED7-4908-89A0-BE7A233C7155}" type="datetimeFigureOut">
               <a:rPr lang="en-US" smtClean="0"/>
-              <a:t>3/9/2016</a:t>
+              <a:t>3/11/2016</a:t>
             </a:fld>
             <a:endParaRPr lang="en-US"/>
           </a:p>
@@ -10199,6 +10200,125 @@
     <p:extLst>
       <p:ext uri="{BB962C8B-B14F-4D97-AF65-F5344CB8AC3E}">
         <p14:creationId xmlns:p14="http://schemas.microsoft.com/office/powerpoint/2010/main" val="2256324937"/>
+      </p:ext>
+    </p:extLst>
+  </p:cSld>
+  <p:clrMapOvr>
+    <a:masterClrMapping/>
+  </p:clrMapOvr>
+  <mc:AlternateContent xmlns:mc="http://schemas.openxmlformats.org/markup-compatibility/2006" xmlns:p14="http://schemas.microsoft.com/office/powerpoint/2010/main">
+    <mc:Choice Requires="p14">
+      <p:transition spd="slow" p14:dur="2000" advClick="0" advTm="10000"/>
+    </mc:Choice>
+    <mc:Fallback xmlns="">
+      <p:transition spd="slow" advClick="0" advTm="10000"/>
+    </mc:Fallback>
+  </mc:AlternateContent>
+  <p:timing>
+    <p:tnLst>
+      <p:par>
+        <p:cTn id="1" dur="indefinite" restart="never" nodeType="tmRoot"/>
+      </p:par>
+    </p:tnLst>
+  </p:timing>
+</p:sld>
+</file>
+
+<file path=ppt/slides/slide19.xml><?xml version="1.0" encoding="utf-8"?>
+<p:sld xmlns:a="http://schemas.openxmlformats.org/drawingml/2006/main" xmlns:r="http://schemas.openxmlformats.org/officeDocument/2006/relationships" xmlns:p="http://schemas.openxmlformats.org/presentationml/2006/main">
+  <p:cSld>
+    <p:spTree>
+      <p:nvGrpSpPr>
+        <p:cNvPr id="1" name=""/>
+        <p:cNvGrpSpPr/>
+        <p:nvPr/>
+      </p:nvGrpSpPr>
+      <p:grpSpPr>
+        <a:xfrm>
+          <a:off x="0" y="0"/>
+          <a:ext cx="0" cy="0"/>
+          <a:chOff x="0" y="0"/>
+          <a:chExt cx="0" cy="0"/>
+        </a:xfrm>
+      </p:grpSpPr>
+      <p:pic>
+        <p:nvPicPr>
+          <p:cNvPr id="6" name="Afbeelding 4"/>
+          <p:cNvPicPr>
+            <a:picLocks noChangeAspect="1"/>
+          </p:cNvPicPr>
+          <p:nvPr/>
+        </p:nvPicPr>
+        <p:blipFill>
+          <a:blip r:embed="rId2">
+            <a:extLst>
+              <a:ext uri="{28A0092B-C50C-407E-A947-70E740481C1C}">
+                <a14:useLocalDpi xmlns:a14="http://schemas.microsoft.com/office/drawing/2010/main"/>
+              </a:ext>
+            </a:extLst>
+          </a:blip>
+          <a:stretch>
+            <a:fillRect/>
+          </a:stretch>
+        </p:blipFill>
+        <p:spPr>
+          <a:xfrm>
+            <a:off x="478971" y="224784"/>
+            <a:ext cx="8363858" cy="934179"/>
+          </a:xfrm>
+          <a:prstGeom prst="rect">
+            <a:avLst/>
+          </a:prstGeom>
+        </p:spPr>
+      </p:pic>
+      <p:sp>
+        <p:nvSpPr>
+          <p:cNvPr id="5" name="TextBox 4"/>
+          <p:cNvSpPr txBox="1"/>
+          <p:nvPr/>
+        </p:nvSpPr>
+        <p:spPr>
+          <a:xfrm>
+            <a:off x="2987897" y="438942"/>
+            <a:ext cx="2395471" cy="505861"/>
+          </a:xfrm>
+          <a:prstGeom prst="rect">
+            <a:avLst/>
+          </a:prstGeom>
+          <a:noFill/>
+        </p:spPr>
+        <p:txBody>
+          <a:bodyPr wrap="none" rtlCol="0">
+            <a:normAutofit lnSpcReduction="10000"/>
+          </a:bodyPr>
+          <a:lstStyle/>
+          <a:p>
+            <a:pPr algn="ctr"/>
+            <a:r>
+              <a:rPr lang="en-US" sz="2800" smtClean="0">
+                <a:solidFill>
+                  <a:schemeClr val="bg1"/>
+                </a:solidFill>
+                <a:latin typeface="Helvetica Neue Light"/>
+              </a:rPr>
+              <a:t>ONE COMMON GOAL</a:t>
+            </a:r>
+          </a:p>
+          <a:p>
+            <a:pPr algn="ctr"/>
+            <a:endParaRPr lang="en-US" sz="2800" dirty="0" smtClean="0">
+              <a:solidFill>
+                <a:schemeClr val="bg1"/>
+              </a:solidFill>
+              <a:latin typeface="Helvetica Neue Light"/>
+            </a:endParaRPr>
+          </a:p>
+        </p:txBody>
+      </p:sp>
+    </p:spTree>
+    <p:extLst>
+      <p:ext uri="{BB962C8B-B14F-4D97-AF65-F5344CB8AC3E}">
+        <p14:creationId xmlns:p14="http://schemas.microsoft.com/office/powerpoint/2010/main" val="521157721"/>
       </p:ext>
     </p:extLst>
   </p:cSld>
@@ -14946,6 +15066,34 @@
 </file>
 
 <file path=customXml/item1.xml><?xml version="1.0" encoding="utf-8"?>
+<p:properties xmlns:p="http://schemas.microsoft.com/office/2006/metadata/properties" xmlns:xsi="http://www.w3.org/2001/XMLSchema-instance" xmlns:pc="http://schemas.microsoft.com/office/infopath/2007/PartnerControls">
+  <documentManagement>
+    <TemplateUrl xmlns="http://schemas.microsoft.com/sharepoint/v3" xsi:nil="true"/>
+    <_SourceUrl xmlns="http://schemas.microsoft.com/sharepoint/v3" xsi:nil="true"/>
+    <xd_ProgID xmlns="http://schemas.microsoft.com/sharepoint/v3" xsi:nil="true"/>
+    <Order xmlns="http://schemas.microsoft.com/sharepoint/v3" xsi:nil="true"/>
+    <_SharedFileIndex xmlns="http://schemas.microsoft.com/sharepoint/v3" xsi:nil="true"/>
+    <MetaInfo xmlns="http://schemas.microsoft.com/sharepoint/v3" xsi:nil="true"/>
+    <ContentTypeId xmlns="http://schemas.microsoft.com/sharepoint/v3">0x010100E25DA1609B7607469C1AC9B6F8A6FE9D</ContentTypeId>
+    <_dlc_DocId xmlns="696890a7-2738-473a-8580-15948eca3069">Y5ANCCKZ2MDQ-10-1542</_dlc_DocId>
+    <_dlc_DocIdUrl xmlns="696890a7-2738-473a-8580-15948eca3069">
+      <Url>https://internal.levi9.com/_layouts/15/DocIdRedir.aspx?ID=Y5ANCCKZ2MDQ-10-1542</Url>
+      <Description>Y5ANCCKZ2MDQ-10-1542</Description>
+    </_dlc_DocIdUrl>
+  </documentManagement>
+</p:properties>
+</file>
+
+<file path=customXml/item2.xml><?xml version="1.0" encoding="utf-8"?>
+<?mso-contentType ?>
+<FormTemplates xmlns="http://schemas.microsoft.com/sharepoint/v3/contenttype/forms">
+  <Display>DocumentLibraryForm</Display>
+  <Edit>DocumentLibraryForm</Edit>
+  <New>DocumentLibraryForm</New>
+</FormTemplates>
+</file>
+
+<file path=customXml/item3.xml><?xml version="1.0" encoding="utf-8"?>
 <?mso-contentType ?>
 <spe:Receivers xmlns:spe="http://schemas.microsoft.com/sharepoint/events">
   <Receiver>
@@ -14993,34 +15141,6 @@
     <Filter/>
   </Receiver>
 </spe:Receivers>
-</file>
-
-<file path=customXml/item2.xml><?xml version="1.0" encoding="utf-8"?>
-<?mso-contentType ?>
-<FormTemplates xmlns="http://schemas.microsoft.com/sharepoint/v3/contenttype/forms">
-  <Display>DocumentLibraryForm</Display>
-  <Edit>DocumentLibraryForm</Edit>
-  <New>DocumentLibraryForm</New>
-</FormTemplates>
-</file>
-
-<file path=customXml/item3.xml><?xml version="1.0" encoding="utf-8"?>
-<p:properties xmlns:p="http://schemas.microsoft.com/office/2006/metadata/properties" xmlns:xsi="http://www.w3.org/2001/XMLSchema-instance" xmlns:pc="http://schemas.microsoft.com/office/infopath/2007/PartnerControls">
-  <documentManagement>
-    <TemplateUrl xmlns="http://schemas.microsoft.com/sharepoint/v3" xsi:nil="true"/>
-    <_SourceUrl xmlns="http://schemas.microsoft.com/sharepoint/v3" xsi:nil="true"/>
-    <xd_ProgID xmlns="http://schemas.microsoft.com/sharepoint/v3" xsi:nil="true"/>
-    <Order xmlns="http://schemas.microsoft.com/sharepoint/v3" xsi:nil="true"/>
-    <_SharedFileIndex xmlns="http://schemas.microsoft.com/sharepoint/v3" xsi:nil="true"/>
-    <MetaInfo xmlns="http://schemas.microsoft.com/sharepoint/v3" xsi:nil="true"/>
-    <ContentTypeId xmlns="http://schemas.microsoft.com/sharepoint/v3">0x010100E25DA1609B7607469C1AC9B6F8A6FE9D</ContentTypeId>
-    <_dlc_DocId xmlns="696890a7-2738-473a-8580-15948eca3069">Y5ANCCKZ2MDQ-10-1542</_dlc_DocId>
-    <_dlc_DocIdUrl xmlns="696890a7-2738-473a-8580-15948eca3069">
-      <Url>https://internal.levi9.com/_layouts/15/DocIdRedir.aspx?ID=Y5ANCCKZ2MDQ-10-1542</Url>
-      <Description>Y5ANCCKZ2MDQ-10-1542</Description>
-    </_dlc_DocIdUrl>
-  </documentManagement>
-</p:properties>
 </file>
 
 <file path=customXml/item4.xml><?xml version="1.0" encoding="utf-8"?>
@@ -15516,9 +15636,18 @@
 </file>
 
 <file path=customXml/itemProps1.xml><?xml version="1.0" encoding="utf-8"?>
-<ds:datastoreItem xmlns:ds="http://schemas.openxmlformats.org/officeDocument/2006/customXml" ds:itemID="{DFBE2CE3-A764-49E9-945D-1AE464F7016A}">
+<ds:datastoreItem xmlns:ds="http://schemas.openxmlformats.org/officeDocument/2006/customXml" ds:itemID="{61631425-235C-4781-93DD-7928AF7173EF}">
   <ds:schemaRefs>
-    <ds:schemaRef ds:uri="http://schemas.microsoft.com/sharepoint/events"/>
+    <ds:schemaRef ds:uri="http://schemas.microsoft.com/office/2006/metadata/properties"/>
+    <ds:schemaRef ds:uri="http://schemas.microsoft.com/sharepoint/v3"/>
+    <ds:schemaRef ds:uri="http://www.w3.org/XML/1998/namespace"/>
+    <ds:schemaRef ds:uri="696890a7-2738-473a-8580-15948eca3069"/>
+    <ds:schemaRef ds:uri="http://schemas.microsoft.com/office/2006/documentManagement/types"/>
+    <ds:schemaRef ds:uri="http://purl.org/dc/dcmitype/"/>
+    <ds:schemaRef ds:uri="http://purl.org/dc/elements/1.1/"/>
+    <ds:schemaRef ds:uri="http://schemas.microsoft.com/office/infopath/2007/PartnerControls"/>
+    <ds:schemaRef ds:uri="http://schemas.openxmlformats.org/package/2006/metadata/core-properties"/>
+    <ds:schemaRef ds:uri="http://purl.org/dc/terms/"/>
   </ds:schemaRefs>
 </ds:datastoreItem>
 </file>
@@ -15532,18 +15661,9 @@
 </file>
 
 <file path=customXml/itemProps3.xml><?xml version="1.0" encoding="utf-8"?>
-<ds:datastoreItem xmlns:ds="http://schemas.openxmlformats.org/officeDocument/2006/customXml" ds:itemID="{61631425-235C-4781-93DD-7928AF7173EF}">
+<ds:datastoreItem xmlns:ds="http://schemas.openxmlformats.org/officeDocument/2006/customXml" ds:itemID="{DFBE2CE3-A764-49E9-945D-1AE464F7016A}">
   <ds:schemaRefs>
-    <ds:schemaRef ds:uri="http://schemas.microsoft.com/office/2006/metadata/properties"/>
-    <ds:schemaRef ds:uri="http://schemas.microsoft.com/sharepoint/v3"/>
-    <ds:schemaRef ds:uri="http://www.w3.org/XML/1998/namespace"/>
-    <ds:schemaRef ds:uri="696890a7-2738-473a-8580-15948eca3069"/>
-    <ds:schemaRef ds:uri="http://schemas.microsoft.com/office/2006/documentManagement/types"/>
-    <ds:schemaRef ds:uri="http://purl.org/dc/dcmitype/"/>
-    <ds:schemaRef ds:uri="http://purl.org/dc/elements/1.1/"/>
-    <ds:schemaRef ds:uri="http://schemas.microsoft.com/office/infopath/2007/PartnerControls"/>
-    <ds:schemaRef ds:uri="http://schemas.openxmlformats.org/package/2006/metadata/core-properties"/>
-    <ds:schemaRef ds:uri="http://purl.org/dc/terms/"/>
+    <ds:schemaRef ds:uri="http://schemas.microsoft.com/sharepoint/events"/>
   </ds:schemaRefs>
 </ds:datastoreItem>
 </file>

--- a/FII.Practic.Tech.Levi9.March.2016.pptx
+++ b/FII.Practic.Tech.Levi9.March.2016.pptx
@@ -240,7 +240,7 @@
           <a:p>
             <a:fld id="{4BEF8651-3ED7-4908-89A0-BE7A233C7155}" type="datetimeFigureOut">
               <a:rPr lang="en-US" smtClean="0"/>
-              <a:t>3/11/2016</a:t>
+              <a:t>3/28/2016</a:t>
             </a:fld>
             <a:endParaRPr lang="en-US"/>
           </a:p>
@@ -3666,6 +3666,258 @@
     <p:extLst>
       <p:ext uri="{BB962C8B-B14F-4D97-AF65-F5344CB8AC3E}">
         <p14:creationId xmlns:p14="http://schemas.microsoft.com/office/powerpoint/2010/main" val="1092337580"/>
+      </p:ext>
+    </p:extLst>
+  </p:cSld>
+  <p:clrMapOvr>
+    <a:masterClrMapping/>
+  </p:clrMapOvr>
+</p:notes>
+</file>
+
+<file path=ppt/notesSlides/notesSlide14.xml><?xml version="1.0" encoding="utf-8"?>
+<p:notes xmlns:a="http://schemas.openxmlformats.org/drawingml/2006/main" xmlns:r="http://schemas.openxmlformats.org/officeDocument/2006/relationships" xmlns:p="http://schemas.openxmlformats.org/presentationml/2006/main">
+  <p:cSld>
+    <p:spTree>
+      <p:nvGrpSpPr>
+        <p:cNvPr id="1" name=""/>
+        <p:cNvGrpSpPr/>
+        <p:nvPr/>
+      </p:nvGrpSpPr>
+      <p:grpSpPr>
+        <a:xfrm>
+          <a:off x="0" y="0"/>
+          <a:ext cx="0" cy="0"/>
+          <a:chOff x="0" y="0"/>
+          <a:chExt cx="0" cy="0"/>
+        </a:xfrm>
+      </p:grpSpPr>
+      <p:sp>
+        <p:nvSpPr>
+          <p:cNvPr id="2" name="Slide Image Placeholder 1"/>
+          <p:cNvSpPr>
+            <a:spLocks noGrp="1" noRot="1" noChangeAspect="1"/>
+          </p:cNvSpPr>
+          <p:nvPr>
+            <p:ph type="sldImg"/>
+          </p:nvPr>
+        </p:nvSpPr>
+        <p:spPr/>
+      </p:sp>
+      <p:sp>
+        <p:nvSpPr>
+          <p:cNvPr id="3" name="Notes Placeholder 2"/>
+          <p:cNvSpPr>
+            <a:spLocks noGrp="1"/>
+          </p:cNvSpPr>
+          <p:nvPr>
+            <p:ph type="body" idx="1"/>
+          </p:nvPr>
+        </p:nvSpPr>
+        <p:spPr/>
+        <p:txBody>
+          <a:bodyPr/>
+          <a:lstStyle/>
+          <a:p>
+            <a:r>
+              <a:rPr lang="en-US" dirty="0" smtClean="0"/>
+              <a:t>Recap</a:t>
+            </a:r>
+            <a:endParaRPr lang="en-US" baseline="0" dirty="0" smtClean="0"/>
+          </a:p>
+          <a:p>
+            <a:pPr marL="171450" indent="-171450">
+              <a:buFontTx/>
+              <a:buChar char="-"/>
+            </a:pPr>
+            <a:r>
+              <a:rPr lang="en-US" baseline="0" dirty="0" smtClean="0"/>
+              <a:t>Web services:</a:t>
+            </a:r>
+          </a:p>
+          <a:p>
+            <a:pPr marL="628650" lvl="1" indent="-171450">
+              <a:buFontTx/>
+              <a:buChar char="-"/>
+            </a:pPr>
+            <a:r>
+              <a:rPr lang="en-US" baseline="0" dirty="0" smtClean="0"/>
+              <a:t>What are?</a:t>
+            </a:r>
+          </a:p>
+          <a:p>
+            <a:pPr marL="628650" lvl="1" indent="-171450">
+              <a:buFontTx/>
+              <a:buChar char="-"/>
+            </a:pPr>
+            <a:r>
+              <a:rPr lang="en-US" baseline="0" dirty="0" smtClean="0"/>
+              <a:t>Why use them?</a:t>
+            </a:r>
+          </a:p>
+          <a:p>
+            <a:pPr marL="628650" lvl="1" indent="-171450">
+              <a:buFontTx/>
+              <a:buChar char="-"/>
+            </a:pPr>
+            <a:r>
+              <a:rPr lang="en-US" baseline="0" dirty="0" smtClean="0"/>
+              <a:t>When to use them?</a:t>
+            </a:r>
+          </a:p>
+          <a:p>
+            <a:pPr marL="171450" lvl="0" indent="-171450">
+              <a:buFontTx/>
+              <a:buChar char="-"/>
+            </a:pPr>
+            <a:r>
+              <a:rPr lang="en-US" baseline="0" dirty="0" smtClean="0"/>
+              <a:t>Types of Web Services</a:t>
+            </a:r>
+          </a:p>
+          <a:p>
+            <a:pPr marL="628650" lvl="1" indent="-171450">
+              <a:buFontTx/>
+              <a:buChar char="-"/>
+            </a:pPr>
+            <a:r>
+              <a:rPr lang="en-US" baseline="0" dirty="0" smtClean="0"/>
+              <a:t>SOAP</a:t>
+            </a:r>
+          </a:p>
+          <a:p>
+            <a:pPr marL="628650" lvl="1" indent="-171450">
+              <a:buFontTx/>
+              <a:buChar char="-"/>
+            </a:pPr>
+            <a:r>
+              <a:rPr lang="en-US" baseline="0" dirty="0" smtClean="0"/>
+              <a:t>REST</a:t>
+            </a:r>
+          </a:p>
+          <a:p>
+            <a:pPr marL="171450" lvl="0" indent="-171450">
+              <a:buFontTx/>
+              <a:buChar char="-"/>
+            </a:pPr>
+            <a:r>
+              <a:rPr lang="en-US" baseline="0" dirty="0" smtClean="0"/>
+              <a:t>Richardson Maturity model</a:t>
+            </a:r>
+          </a:p>
+          <a:p>
+            <a:pPr marL="628650" lvl="1" indent="-171450">
+              <a:buFontTx/>
+              <a:buChar char="-"/>
+            </a:pPr>
+            <a:r>
+              <a:rPr lang="en-US" baseline="0" dirty="0" smtClean="0"/>
+              <a:t>Level 0 </a:t>
+            </a:r>
+            <a:r>
+              <a:rPr lang="en-US" baseline="0" dirty="0" smtClean="0"/>
+              <a:t>– </a:t>
+            </a:r>
+            <a:r>
+              <a:rPr lang="en-US" baseline="0" dirty="0" smtClean="0"/>
+              <a:t>swamp of POX (use HTTP as a tunnel, specify operations through XML)</a:t>
+            </a:r>
+          </a:p>
+          <a:p>
+            <a:pPr marL="628650" lvl="1" indent="-171450">
+              <a:buFontTx/>
+              <a:buChar char="-"/>
+            </a:pPr>
+            <a:r>
+              <a:rPr lang="en-US" baseline="0" dirty="0" smtClean="0"/>
+              <a:t>Level 1 </a:t>
+            </a:r>
+            <a:r>
+              <a:rPr lang="en-US" baseline="0" dirty="0" smtClean="0"/>
+              <a:t>–</a:t>
+            </a:r>
+            <a:r>
+              <a:rPr lang="en-US" baseline="0" dirty="0" smtClean="0"/>
+              <a:t> Introducing Resources (where is your web service functionality exposed for a given service)</a:t>
+            </a:r>
+          </a:p>
+          <a:p>
+            <a:pPr marL="628650" lvl="1" indent="-171450">
+              <a:buFontTx/>
+              <a:buChar char="-"/>
+            </a:pPr>
+            <a:r>
+              <a:rPr lang="en-US" baseline="0" dirty="0" smtClean="0"/>
+              <a:t>Level 2 – Introducing HTTP verbs that are easily mapped over CRUD</a:t>
+            </a:r>
+          </a:p>
+          <a:p>
+            <a:pPr marL="628650" lvl="1" indent="-171450">
+              <a:buFontTx/>
+              <a:buChar char="-"/>
+            </a:pPr>
+            <a:r>
+              <a:rPr lang="en-US" baseline="0" dirty="0" smtClean="0"/>
+              <a:t>Level 3 – HATEOAS (</a:t>
+            </a:r>
+            <a:r>
+              <a:rPr lang="en-US" sz="1200" b="0" i="0" kern="1200" dirty="0" smtClean="0">
+                <a:solidFill>
+                  <a:schemeClr val="tx1"/>
+                </a:solidFill>
+                <a:effectLst/>
+                <a:latin typeface="+mn-lt"/>
+                <a:ea typeface="+mn-ea"/>
+                <a:cs typeface="+mn-cs"/>
+              </a:rPr>
+              <a:t>Hypertext As The Engine Of Application State</a:t>
+            </a:r>
+            <a:r>
+              <a:rPr lang="en-US" baseline="0" dirty="0" smtClean="0"/>
+              <a:t>) – self describing web service </a:t>
+            </a:r>
+            <a:r>
+              <a:rPr lang="en-US" baseline="0" smtClean="0"/>
+              <a:t>(resource)</a:t>
+            </a:r>
+            <a:endParaRPr lang="en-US" baseline="0" dirty="0" smtClean="0"/>
+          </a:p>
+          <a:p>
+            <a:pPr marL="628650" lvl="1" indent="-171450">
+              <a:buFontTx/>
+              <a:buChar char="-"/>
+            </a:pPr>
+            <a:endParaRPr lang="en-US" baseline="0" dirty="0" smtClean="0"/>
+          </a:p>
+        </p:txBody>
+      </p:sp>
+      <p:sp>
+        <p:nvSpPr>
+          <p:cNvPr id="4" name="Slide Number Placeholder 3"/>
+          <p:cNvSpPr>
+            <a:spLocks noGrp="1"/>
+          </p:cNvSpPr>
+          <p:nvPr>
+            <p:ph type="sldNum" sz="quarter" idx="10"/>
+          </p:nvPr>
+        </p:nvSpPr>
+        <p:spPr/>
+        <p:txBody>
+          <a:bodyPr/>
+          <a:lstStyle/>
+          <a:p>
+            <a:fld id="{5C84FE02-A589-41E9-8DDF-29CEE6AB9026}" type="slidenum">
+              <a:rPr lang="en-US" smtClean="0"/>
+              <a:t>18</a:t>
+            </a:fld>
+            <a:endParaRPr lang="en-US"/>
+          </a:p>
+        </p:txBody>
+      </p:sp>
+    </p:spTree>
+    <p:extLst>
+      <p:ext uri="{BB962C8B-B14F-4D97-AF65-F5344CB8AC3E}">
+        <p14:creationId xmlns:p14="http://schemas.microsoft.com/office/powerpoint/2010/main" val="2068315187"/>
       </p:ext>
     </p:extLst>
   </p:cSld>
@@ -8623,7 +8875,7 @@
         <p:spPr>
           <a:xfrm>
             <a:off x="478971" y="2520674"/>
-            <a:ext cx="8363858" cy="2185214"/>
+            <a:ext cx="8363858" cy="1785104"/>
           </a:xfrm>
           <a:prstGeom prst="rect">
             <a:avLst/>
@@ -8680,25 +8932,27 @@
                 <a:latin typeface="Helvetica Neue Light"/>
                 <a:ea typeface="ヒラギノ明朝 ProN W3" pitchFamily="-84" charset="-128"/>
               </a:rPr>
-              <a:t>Richardson Maturity Model</a:t>
-            </a:r>
-          </a:p>
-          <a:p>
-            <a:pPr marL="342900" indent="-342900">
-              <a:buAutoNum type="arabicPeriod"/>
-            </a:pPr>
+              <a:t>Richardson Maturity </a:t>
+            </a:r>
             <a:r>
               <a:rPr lang="en-US" sz="2600" b="1" dirty="0" smtClean="0">
                 <a:solidFill>
-                  <a:schemeClr val="bg1">
-                    <a:lumMod val="75000"/>
-                  </a:schemeClr>
+                  <a:srgbClr val="424D43"/>
                 </a:solidFill>
                 <a:latin typeface="Helvetica Neue Light"/>
                 <a:ea typeface="ヒラギノ明朝 ProN W3" pitchFamily="-84" charset="-128"/>
               </a:rPr>
-              <a:t>Developing a REST application</a:t>
-            </a:r>
+              <a:t>Model</a:t>
+            </a:r>
+            <a:endParaRPr lang="en-US" sz="2600" b="1" dirty="0" smtClean="0">
+              <a:solidFill>
+                <a:schemeClr val="bg1">
+                  <a:lumMod val="75000"/>
+                </a:schemeClr>
+              </a:solidFill>
+              <a:latin typeface="Helvetica Neue Light"/>
+              <a:ea typeface="ヒラギノ明朝 ProN W3" pitchFamily="-84" charset="-128"/>
+            </a:endParaRPr>
           </a:p>
           <a:p>
             <a:pPr marL="342900" indent="-342900">
@@ -10031,7 +10285,7 @@
         <p:spPr>
           <a:xfrm>
             <a:off x="478971" y="2520674"/>
-            <a:ext cx="8363858" cy="2185214"/>
+            <a:ext cx="8363858" cy="1785104"/>
           </a:xfrm>
           <a:prstGeom prst="rect">
             <a:avLst/>
@@ -10090,23 +10344,27 @@
                 <a:latin typeface="Helvetica Neue Light"/>
                 <a:ea typeface="ヒラギノ明朝 ProN W3" pitchFamily="-84" charset="-128"/>
               </a:rPr>
-              <a:t>Richardson Maturity Model</a:t>
-            </a:r>
-          </a:p>
-          <a:p>
-            <a:pPr marL="342900" indent="-342900">
-              <a:buAutoNum type="arabicPeriod"/>
-            </a:pPr>
-            <a:r>
-              <a:rPr lang="en-US" sz="2600" b="1" dirty="0">
-                <a:solidFill>
-                  <a:srgbClr val="424D43"/>
+              <a:t>Richardson Maturity </a:t>
+            </a:r>
+            <a:r>
+              <a:rPr lang="en-US" sz="2600" b="1" dirty="0" smtClean="0">
+                <a:solidFill>
+                  <a:schemeClr val="bg1">
+                    <a:lumMod val="75000"/>
+                  </a:schemeClr>
                 </a:solidFill>
                 <a:latin typeface="Helvetica Neue Light"/>
                 <a:ea typeface="ヒラギノ明朝 ProN W3" pitchFamily="-84" charset="-128"/>
               </a:rPr>
-              <a:t>Developing a REST application</a:t>
-            </a:r>
+              <a:t>Model</a:t>
+            </a:r>
+            <a:endParaRPr lang="en-US" sz="2600" b="1" dirty="0">
+              <a:solidFill>
+                <a:srgbClr val="424D43"/>
+              </a:solidFill>
+              <a:latin typeface="Helvetica Neue Light"/>
+              <a:ea typeface="ヒラギノ明朝 ProN W3" pitchFamily="-84" charset="-128"/>
+            </a:endParaRPr>
           </a:p>
           <a:p>
             <a:pPr marL="342900" indent="-342900">
@@ -10140,7 +10398,7 @@
           <p:nvPr/>
         </p:nvPicPr>
         <p:blipFill>
-          <a:blip r:embed="rId2">
+          <a:blip r:embed="rId3">
             <a:extLst>
               <a:ext uri="{28A0092B-C50C-407E-A947-70E740481C1C}">
                 <a14:useLocalDpi xmlns:a14="http://schemas.microsoft.com/office/drawing/2010/main"/>
@@ -10369,7 +10627,7 @@
         <p:spPr>
           <a:xfrm>
             <a:off x="478971" y="2520674"/>
-            <a:ext cx="8363858" cy="2185214"/>
+            <a:ext cx="8363858" cy="1538883"/>
           </a:xfrm>
           <a:prstGeom prst="rect">
             <a:avLst/>
@@ -10422,13 +10680,8 @@
                 <a:latin typeface="Helvetica Neue Light"/>
                 <a:ea typeface="ヒラギノ明朝 ProN W3" pitchFamily="-84" charset="-128"/>
               </a:rPr>
-              <a:t>Richardson Maturity Model</a:t>
-            </a:r>
-          </a:p>
-          <a:p>
-            <a:pPr marL="342900" indent="-342900">
-              <a:buAutoNum type="arabicPeriod"/>
-            </a:pPr>
+              <a:t>Richardson Maturity </a:t>
+            </a:r>
             <a:r>
               <a:rPr lang="en-US" sz="2600" b="1" dirty="0" smtClean="0">
                 <a:solidFill>
@@ -10437,13 +10690,8 @@
                 <a:latin typeface="Helvetica Neue Light"/>
                 <a:ea typeface="ヒラギノ明朝 ProN W3" pitchFamily="-84" charset="-128"/>
               </a:rPr>
-              <a:t>Developing a REST application</a:t>
-            </a:r>
-          </a:p>
-          <a:p>
-            <a:pPr marL="342900" indent="-342900">
-              <a:buAutoNum type="arabicPeriod"/>
-            </a:pPr>
+              <a:t>Model</a:t>
+            </a:r>
             <a:endParaRPr lang="en-US" sz="1600" b="1" dirty="0">
               <a:solidFill>
                 <a:srgbClr val="424D43"/>
@@ -10582,7 +10830,7 @@
         <p:spPr>
           <a:xfrm>
             <a:off x="478971" y="2520674"/>
-            <a:ext cx="8363858" cy="2185214"/>
+            <a:ext cx="8363858" cy="1538883"/>
           </a:xfrm>
           <a:prstGeom prst="rect">
             <a:avLst/>
@@ -10639,13 +10887,8 @@
                 <a:latin typeface="Helvetica Neue Light"/>
                 <a:ea typeface="ヒラギノ明朝 ProN W3" pitchFamily="-84" charset="-128"/>
               </a:rPr>
-              <a:t>Richardson Maturity Model</a:t>
-            </a:r>
-          </a:p>
-          <a:p>
-            <a:pPr marL="342900" indent="-342900">
-              <a:buAutoNum type="arabicPeriod"/>
-            </a:pPr>
+              <a:t>Richardson Maturity </a:t>
+            </a:r>
             <a:r>
               <a:rPr lang="en-US" sz="2600" b="1" dirty="0" smtClean="0">
                 <a:solidFill>
@@ -10656,13 +10899,8 @@
                 <a:latin typeface="Helvetica Neue Light"/>
                 <a:ea typeface="ヒラギノ明朝 ProN W3" pitchFamily="-84" charset="-128"/>
               </a:rPr>
-              <a:t>Developing a REST application</a:t>
-            </a:r>
-          </a:p>
-          <a:p>
-            <a:pPr marL="342900" indent="-342900">
-              <a:buAutoNum type="arabicPeriod"/>
-            </a:pPr>
+              <a:t>Model</a:t>
+            </a:r>
             <a:endParaRPr lang="en-US" sz="1600" b="1" dirty="0">
               <a:solidFill>
                 <a:srgbClr val="424D43"/>
@@ -11057,7 +11295,7 @@
         <p:spPr>
           <a:xfrm>
             <a:off x="478971" y="2520674"/>
-            <a:ext cx="8363858" cy="2185214"/>
+            <a:ext cx="8363858" cy="1292662"/>
           </a:xfrm>
           <a:prstGeom prst="rect">
             <a:avLst/>
@@ -11114,13 +11352,8 @@
                 <a:latin typeface="Helvetica Neue Light"/>
                 <a:ea typeface="ヒラギノ明朝 ProN W3" pitchFamily="-84" charset="-128"/>
               </a:rPr>
-              <a:t>Richardson Maturity Model</a:t>
-            </a:r>
-          </a:p>
-          <a:p>
-            <a:pPr marL="342900" indent="-342900">
-              <a:buAutoNum type="arabicPeriod"/>
-            </a:pPr>
+              <a:t>Richardson Maturity </a:t>
+            </a:r>
             <a:r>
               <a:rPr lang="en-US" sz="2600" b="1" dirty="0" smtClean="0">
                 <a:solidFill>
@@ -11131,25 +11364,13 @@
                 <a:latin typeface="Helvetica Neue Light"/>
                 <a:ea typeface="ヒラギノ明朝 ProN W3" pitchFamily="-84" charset="-128"/>
               </a:rPr>
-              <a:t>Developing a REST application</a:t>
-            </a:r>
-          </a:p>
-          <a:p>
-            <a:pPr marL="342900" indent="-342900">
-              <a:buAutoNum type="arabicPeriod"/>
-            </a:pPr>
-            <a:endParaRPr lang="en-US" sz="1600" b="1" dirty="0">
+              <a:t>Model</a:t>
+            </a:r>
+            <a:endParaRPr lang="en-US" sz="2600" b="1" dirty="0" smtClean="0">
               <a:solidFill>
-                <a:srgbClr val="424D43"/>
-              </a:solidFill>
-              <a:latin typeface="Helvetica Neue Light"/>
-              <a:ea typeface="ヒラギノ明朝 ProN W3" pitchFamily="-84" charset="-128"/>
-            </a:endParaRPr>
-          </a:p>
-          <a:p>
-            <a:endParaRPr lang="en-US" sz="1600" dirty="0">
-              <a:solidFill>
-                <a:srgbClr val="424D43"/>
+                <a:schemeClr val="bg1">
+                  <a:lumMod val="75000"/>
+                </a:schemeClr>
               </a:solidFill>
               <a:latin typeface="Helvetica Neue Light"/>
               <a:ea typeface="ヒラギノ明朝 ProN W3" pitchFamily="-84" charset="-128"/>
@@ -11501,7 +11722,7 @@
         <p:spPr>
           <a:xfrm>
             <a:off x="318685" y="1641238"/>
-            <a:ext cx="7846747" cy="4759561"/>
+            <a:ext cx="8515214" cy="4759561"/>
           </a:xfrm>
         </p:spPr>
         <p:txBody>
@@ -15066,6 +15287,15 @@
 </file>
 
 <file path=customXml/item1.xml><?xml version="1.0" encoding="utf-8"?>
+<?mso-contentType ?>
+<FormTemplates xmlns="http://schemas.microsoft.com/sharepoint/v3/contenttype/forms">
+  <Display>DocumentLibraryForm</Display>
+  <Edit>DocumentLibraryForm</Edit>
+  <New>DocumentLibraryForm</New>
+</FormTemplates>
+</file>
+
+<file path=customXml/item2.xml><?xml version="1.0" encoding="utf-8"?>
 <p:properties xmlns:p="http://schemas.microsoft.com/office/2006/metadata/properties" xmlns:xsi="http://www.w3.org/2001/XMLSchema-instance" xmlns:pc="http://schemas.microsoft.com/office/infopath/2007/PartnerControls">
   <documentManagement>
     <TemplateUrl xmlns="http://schemas.microsoft.com/sharepoint/v3" xsi:nil="true"/>
@@ -15084,66 +15314,7 @@
 </p:properties>
 </file>
 
-<file path=customXml/item2.xml><?xml version="1.0" encoding="utf-8"?>
-<?mso-contentType ?>
-<FormTemplates xmlns="http://schemas.microsoft.com/sharepoint/v3/contenttype/forms">
-  <Display>DocumentLibraryForm</Display>
-  <Edit>DocumentLibraryForm</Edit>
-  <New>DocumentLibraryForm</New>
-</FormTemplates>
-</file>
-
 <file path=customXml/item3.xml><?xml version="1.0" encoding="utf-8"?>
-<?mso-contentType ?>
-<spe:Receivers xmlns:spe="http://schemas.microsoft.com/sharepoint/events">
-  <Receiver>
-    <Name>Document ID Generator</Name>
-    <Synchronization>Synchronous</Synchronization>
-    <Type>10001</Type>
-    <SequenceNumber>1000</SequenceNumber>
-    <Url/>
-    <Assembly>Microsoft.Office.DocumentManagement, Version=15.0.0.0, Culture=neutral, PublicKeyToken=71e9bce111e9429c</Assembly>
-    <Class>Microsoft.Office.DocumentManagement.Internal.DocIdHandler</Class>
-    <Data/>
-    <Filter/>
-  </Receiver>
-  <Receiver>
-    <Name>Document ID Generator</Name>
-    <Synchronization>Synchronous</Synchronization>
-    <Type>10002</Type>
-    <SequenceNumber>1001</SequenceNumber>
-    <Url/>
-    <Assembly>Microsoft.Office.DocumentManagement, Version=15.0.0.0, Culture=neutral, PublicKeyToken=71e9bce111e9429c</Assembly>
-    <Class>Microsoft.Office.DocumentManagement.Internal.DocIdHandler</Class>
-    <Data/>
-    <Filter/>
-  </Receiver>
-  <Receiver>
-    <Name>Document ID Generator</Name>
-    <Synchronization>Synchronous</Synchronization>
-    <Type>10004</Type>
-    <SequenceNumber>1002</SequenceNumber>
-    <Url/>
-    <Assembly>Microsoft.Office.DocumentManagement, Version=15.0.0.0, Culture=neutral, PublicKeyToken=71e9bce111e9429c</Assembly>
-    <Class>Microsoft.Office.DocumentManagement.Internal.DocIdHandler</Class>
-    <Data/>
-    <Filter/>
-  </Receiver>
-  <Receiver>
-    <Name>Document ID Generator</Name>
-    <Synchronization>Synchronous</Synchronization>
-    <Type>10006</Type>
-    <SequenceNumber>1003</SequenceNumber>
-    <Url/>
-    <Assembly>Microsoft.Office.DocumentManagement, Version=15.0.0.0, Culture=neutral, PublicKeyToken=71e9bce111e9429c</Assembly>
-    <Class>Microsoft.Office.DocumentManagement.Internal.DocIdHandler</Class>
-    <Data/>
-    <Filter/>
-  </Receiver>
-</spe:Receivers>
-</file>
-
-<file path=customXml/item4.xml><?xml version="1.0" encoding="utf-8"?>
 <ct:contentTypeSchema xmlns:ct="http://schemas.microsoft.com/office/2006/metadata/contentType" xmlns:ma="http://schemas.microsoft.com/office/2006/metadata/properties/metaAttributes" ct:_="" ma:_="" ma:contentTypeName="Document" ma:contentTypeID="0x010100E25DA1609B7607469C1AC9B6F8A6FE9D" ma:contentTypeVersion="2" ma:contentTypeDescription="Create a new document." ma:contentTypeScope="" ma:versionID="4a9137d238132a7f3847ed896ce73801">
   <xsd:schema xmlns:xsd="http://www.w3.org/2001/XMLSchema" xmlns:xs="http://www.w3.org/2001/XMLSchema" xmlns:p="http://schemas.microsoft.com/office/2006/metadata/properties" xmlns:ns1="http://schemas.microsoft.com/sharepoint/v3" xmlns:ns2="696890a7-2738-473a-8580-15948eca3069" targetNamespace="http://schemas.microsoft.com/office/2006/metadata/properties" ma:root="true" ma:fieldsID="cc6804599cb381d96cddd0f9a4d92b86" ns1:_="" ns2:_="">
     <xsd:import namespace="http://schemas.microsoft.com/sharepoint/v3"/>
@@ -15635,7 +15806,65 @@
 </ct:contentTypeSchema>
 </file>
 
+<file path=customXml/item4.xml><?xml version="1.0" encoding="utf-8"?>
+<?mso-contentType ?>
+<spe:Receivers xmlns:spe="http://schemas.microsoft.com/sharepoint/events">
+  <Receiver>
+    <Name>Document ID Generator</Name>
+    <Synchronization>Synchronous</Synchronization>
+    <Type>10001</Type>
+    <SequenceNumber>1000</SequenceNumber>
+    <Url/>
+    <Assembly>Microsoft.Office.DocumentManagement, Version=15.0.0.0, Culture=neutral, PublicKeyToken=71e9bce111e9429c</Assembly>
+    <Class>Microsoft.Office.DocumentManagement.Internal.DocIdHandler</Class>
+    <Data/>
+    <Filter/>
+  </Receiver>
+  <Receiver>
+    <Name>Document ID Generator</Name>
+    <Synchronization>Synchronous</Synchronization>
+    <Type>10002</Type>
+    <SequenceNumber>1001</SequenceNumber>
+    <Url/>
+    <Assembly>Microsoft.Office.DocumentManagement, Version=15.0.0.0, Culture=neutral, PublicKeyToken=71e9bce111e9429c</Assembly>
+    <Class>Microsoft.Office.DocumentManagement.Internal.DocIdHandler</Class>
+    <Data/>
+    <Filter/>
+  </Receiver>
+  <Receiver>
+    <Name>Document ID Generator</Name>
+    <Synchronization>Synchronous</Synchronization>
+    <Type>10004</Type>
+    <SequenceNumber>1002</SequenceNumber>
+    <Url/>
+    <Assembly>Microsoft.Office.DocumentManagement, Version=15.0.0.0, Culture=neutral, PublicKeyToken=71e9bce111e9429c</Assembly>
+    <Class>Microsoft.Office.DocumentManagement.Internal.DocIdHandler</Class>
+    <Data/>
+    <Filter/>
+  </Receiver>
+  <Receiver>
+    <Name>Document ID Generator</Name>
+    <Synchronization>Synchronous</Synchronization>
+    <Type>10006</Type>
+    <SequenceNumber>1003</SequenceNumber>
+    <Url/>
+    <Assembly>Microsoft.Office.DocumentManagement, Version=15.0.0.0, Culture=neutral, PublicKeyToken=71e9bce111e9429c</Assembly>
+    <Class>Microsoft.Office.DocumentManagement.Internal.DocIdHandler</Class>
+    <Data/>
+    <Filter/>
+  </Receiver>
+</spe:Receivers>
+</file>
+
 <file path=customXml/itemProps1.xml><?xml version="1.0" encoding="utf-8"?>
+<ds:datastoreItem xmlns:ds="http://schemas.openxmlformats.org/officeDocument/2006/customXml" ds:itemID="{EBB62213-8F90-4EF1-A6A4-641F0452CB52}">
+  <ds:schemaRefs>
+    <ds:schemaRef ds:uri="http://schemas.microsoft.com/sharepoint/v3/contenttype/forms"/>
+  </ds:schemaRefs>
+</ds:datastoreItem>
+</file>
+
+<file path=customXml/itemProps2.xml><?xml version="1.0" encoding="utf-8"?>
 <ds:datastoreItem xmlns:ds="http://schemas.openxmlformats.org/officeDocument/2006/customXml" ds:itemID="{61631425-235C-4781-93DD-7928AF7173EF}">
   <ds:schemaRefs>
     <ds:schemaRef ds:uri="http://schemas.microsoft.com/office/2006/metadata/properties"/>
@@ -15652,23 +15881,7 @@
 </ds:datastoreItem>
 </file>
 
-<file path=customXml/itemProps2.xml><?xml version="1.0" encoding="utf-8"?>
-<ds:datastoreItem xmlns:ds="http://schemas.openxmlformats.org/officeDocument/2006/customXml" ds:itemID="{EBB62213-8F90-4EF1-A6A4-641F0452CB52}">
-  <ds:schemaRefs>
-    <ds:schemaRef ds:uri="http://schemas.microsoft.com/sharepoint/v3/contenttype/forms"/>
-  </ds:schemaRefs>
-</ds:datastoreItem>
-</file>
-
 <file path=customXml/itemProps3.xml><?xml version="1.0" encoding="utf-8"?>
-<ds:datastoreItem xmlns:ds="http://schemas.openxmlformats.org/officeDocument/2006/customXml" ds:itemID="{DFBE2CE3-A764-49E9-945D-1AE464F7016A}">
-  <ds:schemaRefs>
-    <ds:schemaRef ds:uri="http://schemas.microsoft.com/sharepoint/events"/>
-  </ds:schemaRefs>
-</ds:datastoreItem>
-</file>
-
-<file path=customXml/itemProps4.xml><?xml version="1.0" encoding="utf-8"?>
 <ds:datastoreItem xmlns:ds="http://schemas.openxmlformats.org/officeDocument/2006/customXml" ds:itemID="{9537DA68-33FD-40D7-963A-955D4E055832}">
   <ds:schemaRefs>
     <ds:schemaRef ds:uri="http://schemas.microsoft.com/office/2006/metadata/contentType"/>
@@ -15685,4 +15898,12 @@
     <ds:schemaRef ds:uri="http://schemas.microsoft.com/internal/obd"/>
   </ds:schemaRefs>
 </ds:datastoreItem>
+</file>
+
+<file path=customXml/itemProps4.xml><?xml version="1.0" encoding="utf-8"?>
+<ds:datastoreItem xmlns:ds="http://schemas.openxmlformats.org/officeDocument/2006/customXml" ds:itemID="{DFBE2CE3-A764-49E9-945D-1AE464F7016A}">
+  <ds:schemaRefs>
+    <ds:schemaRef ds:uri="http://schemas.microsoft.com/sharepoint/events"/>
+  </ds:schemaRefs>
+</ds:datastoreItem>
 </file>